--- a/misc_other/documentation/IDS-SIDS Flow Chart (1364246).PPTX
+++ b/misc_other/documentation/IDS-SIDS Flow Chart (1364246).PPTX
@@ -134,6 +134,22 @@
       </a:defRPr>
     </a:lvl9pPr>
   </p:defaultTextStyle>
+  <p:extLst>
+    <p:ext uri="{EFAFB233-063F-42B5-8137-9DF3F51BA10A}">
+      <p15:sldGuideLst xmlns:p15="http://schemas.microsoft.com/office/powerpoint/2012/main">
+        <p15:guide id="1" orient="horz" pos="2880">
+          <p15:clr>
+            <a:srgbClr val="A4A3A4"/>
+          </p15:clr>
+        </p15:guide>
+        <p15:guide id="2" pos="2160">
+          <p15:clr>
+            <a:srgbClr val="A4A3A4"/>
+          </p15:clr>
+        </p15:guide>
+      </p15:sldGuideLst>
+    </p:ext>
+  </p:extLst>
 </p:presentation>
 </file>
 
@@ -3603,7 +3619,7 @@
         </p:nvSpPr>
         <p:spPr bwMode="auto">
           <a:xfrm>
-            <a:off x="1046163" y="261938"/>
+            <a:off x="1872349" y="126015"/>
             <a:ext cx="4876800" cy="338137"/>
           </a:xfrm>
           <a:prstGeom prst="flowChartProcess">
@@ -3768,7 +3784,7 @@
               <a:buNone/>
             </a:pPr>
             <a:r>
-              <a:rPr lang="en-US" altLang="en-US" sz="1600"/>
+              <a:rPr lang="en-US" altLang="en-US" sz="1600" dirty="0"/>
               <a:t>How to get an IDS considered under 37 CFR 1.97</a:t>
             </a:r>
           </a:p>
@@ -4397,7 +4413,11 @@
             </a:pPr>
             <a:r>
               <a:rPr lang="en-US" altLang="en-US" sz="900" dirty="0" smtClean="0"/>
-              <a:t> WD# 1364246 - Updated 07-24-14</a:t>
+              <a:t> WD# 1364246 - </a:t>
+            </a:r>
+            <a:r>
+              <a:rPr lang="en-US" altLang="en-US" sz="900" smtClean="0"/>
+              <a:t>Updated 03-15-17</a:t>
             </a:r>
             <a:endParaRPr lang="en-US" altLang="en-US" sz="900" dirty="0"/>
           </a:p>
@@ -7247,9 +7267,14 @@
               <a:buNone/>
             </a:pPr>
             <a:r>
-              <a:rPr lang="en-US" altLang="en-US" sz="900"/>
-              <a:t>Was all art </a:t>
-            </a:r>
+              <a:rPr lang="en-US" altLang="en-US" sz="900" dirty="0"/>
+              <a:t>Was </a:t>
+            </a:r>
+            <a:r>
+              <a:rPr lang="en-US" altLang="en-US" sz="900" b="1" u="sng" dirty="0"/>
+              <a:t>ALL</a:t>
+            </a:r>
+            <a:endParaRPr lang="en-US" altLang="en-US" sz="900" dirty="0" smtClean="0"/>
           </a:p>
           <a:p>
             <a:pPr algn="ctr">
@@ -7260,8 +7285,16 @@
               <a:buNone/>
             </a:pPr>
             <a:r>
-              <a:rPr lang="en-US" altLang="en-US" sz="900"/>
-              <a:t>new to </a:t>
+              <a:rPr lang="en-US" altLang="en-US" sz="900" dirty="0"/>
+              <a:t>a</a:t>
+            </a:r>
+            <a:r>
+              <a:rPr lang="en-US" altLang="en-US" sz="900" dirty="0" smtClean="0"/>
+              <a:t>rt new </a:t>
+            </a:r>
+            <a:r>
+              <a:rPr lang="en-US" altLang="en-US" sz="900" dirty="0"/>
+              <a:t>to </a:t>
             </a:r>
           </a:p>
           <a:p>
@@ -7273,7 +7306,7 @@
               <a:buNone/>
             </a:pPr>
             <a:r>
-              <a:rPr lang="en-US" altLang="en-US" sz="900"/>
+              <a:rPr lang="en-US" altLang="en-US" sz="900" dirty="0"/>
               <a:t>everyone under 1.56(c)</a:t>
             </a:r>
           </a:p>
@@ -7286,7 +7319,7 @@
               <a:buNone/>
             </a:pPr>
             <a:r>
-              <a:rPr lang="en-US" altLang="en-US" sz="900"/>
+              <a:rPr lang="en-US" altLang="en-US" sz="900" dirty="0"/>
               <a:t>within the last </a:t>
             </a:r>
           </a:p>
@@ -7299,7 +7332,7 @@
               <a:buNone/>
             </a:pPr>
             <a:r>
-              <a:rPr lang="en-US" altLang="en-US" sz="900"/>
+              <a:rPr lang="en-US" altLang="en-US" sz="900" dirty="0"/>
               <a:t>3 mo. </a:t>
             </a:r>
           </a:p>
@@ -9251,8 +9284,16 @@
               <a:buNone/>
             </a:pPr>
             <a:r>
-              <a:rPr lang="en-US" altLang="en-US" sz="900"/>
-              <a:t>Was all art </a:t>
+              <a:rPr lang="en-US" altLang="en-US" sz="900" dirty="0"/>
+              <a:t>Was </a:t>
+            </a:r>
+            <a:r>
+              <a:rPr lang="en-US" altLang="en-US" sz="900" b="1" u="sng" dirty="0"/>
+              <a:t>ALL</a:t>
+            </a:r>
+            <a:r>
+              <a:rPr lang="en-US" altLang="en-US" sz="900" dirty="0" smtClean="0"/>
+              <a:t> </a:t>
             </a:r>
           </a:p>
           <a:p>
@@ -9264,8 +9305,12 @@
               <a:buNone/>
             </a:pPr>
             <a:r>
-              <a:rPr lang="en-US" altLang="en-US" sz="900"/>
-              <a:t>new to </a:t>
+              <a:rPr lang="en-US" altLang="en-US" sz="900" dirty="0" smtClean="0"/>
+              <a:t>art new </a:t>
+            </a:r>
+            <a:r>
+              <a:rPr lang="en-US" altLang="en-US" sz="900" dirty="0"/>
+              <a:t>to </a:t>
             </a:r>
           </a:p>
           <a:p>
@@ -9277,7 +9322,7 @@
               <a:buNone/>
             </a:pPr>
             <a:r>
-              <a:rPr lang="en-US" altLang="en-US" sz="900"/>
+              <a:rPr lang="en-US" altLang="en-US" sz="900" dirty="0"/>
               <a:t>everyone under 1.56(c)</a:t>
             </a:r>
           </a:p>
@@ -9290,7 +9335,7 @@
               <a:buNone/>
             </a:pPr>
             <a:r>
-              <a:rPr lang="en-US" altLang="en-US" sz="900"/>
+              <a:rPr lang="en-US" altLang="en-US" sz="900" dirty="0"/>
               <a:t>within the last </a:t>
             </a:r>
           </a:p>
@@ -9303,7 +9348,7 @@
               <a:buNone/>
             </a:pPr>
             <a:r>
-              <a:rPr lang="en-US" altLang="en-US" sz="900"/>
+              <a:rPr lang="en-US" altLang="en-US" sz="900" dirty="0"/>
               <a:t>3 mo. </a:t>
             </a:r>
           </a:p>
@@ -10065,15 +10110,15 @@
               <a:buNone/>
             </a:pPr>
             <a:r>
-              <a:rPr lang="en-US" altLang="en-US" sz="900"/>
+              <a:rPr lang="en-US" altLang="en-US" sz="900" dirty="0"/>
               <a:t>Was </a:t>
             </a:r>
             <a:r>
-              <a:rPr lang="en-US" altLang="en-US" sz="900" b="1" u="sng"/>
+              <a:rPr lang="en-US" altLang="en-US" sz="900" b="1" u="sng" dirty="0"/>
               <a:t>ALL</a:t>
             </a:r>
             <a:r>
-              <a:rPr lang="en-US" altLang="en-US" sz="900"/>
+              <a:rPr lang="en-US" altLang="en-US" sz="900" dirty="0"/>
               <a:t> </a:t>
             </a:r>
           </a:p>
@@ -10086,7 +10131,7 @@
               <a:buNone/>
             </a:pPr>
             <a:r>
-              <a:rPr lang="en-US" altLang="en-US" sz="900"/>
+              <a:rPr lang="en-US" altLang="en-US" sz="900" dirty="0"/>
               <a:t>art cited by </a:t>
             </a:r>
           </a:p>
@@ -10099,7 +10144,7 @@
               <a:buNone/>
             </a:pPr>
             <a:r>
-              <a:rPr lang="en-US" altLang="en-US" sz="900"/>
+              <a:rPr lang="en-US" altLang="en-US" sz="900" dirty="0"/>
               <a:t>foreign patent office </a:t>
             </a:r>
           </a:p>
@@ -10112,7 +10157,7 @@
               <a:buNone/>
             </a:pPr>
             <a:r>
-              <a:rPr lang="en-US" altLang="en-US" sz="900"/>
+              <a:rPr lang="en-US" altLang="en-US" sz="900" dirty="0"/>
               <a:t>within the last </a:t>
             </a:r>
           </a:p>
@@ -10125,7 +10170,7 @@
               <a:buNone/>
             </a:pPr>
             <a:r>
-              <a:rPr lang="en-US" altLang="en-US" sz="900"/>
+              <a:rPr lang="en-US" altLang="en-US" sz="900" dirty="0"/>
               <a:t>3 months?</a:t>
             </a:r>
           </a:p>
@@ -11154,8 +11199,16 @@
               <a:buNone/>
             </a:pPr>
             <a:r>
-              <a:rPr lang="en-US" altLang="en-US" sz="900"/>
-              <a:t>Was all art </a:t>
+              <a:rPr lang="en-US" altLang="en-US" sz="900" dirty="0"/>
+              <a:t>Was </a:t>
+            </a:r>
+            <a:r>
+              <a:rPr lang="en-US" altLang="en-US" sz="900" b="1" u="sng" dirty="0"/>
+              <a:t>ALL</a:t>
+            </a:r>
+            <a:r>
+              <a:rPr lang="en-US" altLang="en-US" sz="900" dirty="0" smtClean="0"/>
+              <a:t> </a:t>
             </a:r>
           </a:p>
           <a:p>
@@ -11167,8 +11220,12 @@
               <a:buNone/>
             </a:pPr>
             <a:r>
-              <a:rPr lang="en-US" altLang="en-US" sz="900"/>
-              <a:t>new to </a:t>
+              <a:rPr lang="en-US" altLang="en-US" sz="900" dirty="0" smtClean="0"/>
+              <a:t>art new </a:t>
+            </a:r>
+            <a:r>
+              <a:rPr lang="en-US" altLang="en-US" sz="900" dirty="0"/>
+              <a:t>to </a:t>
             </a:r>
           </a:p>
           <a:p>
@@ -11180,7 +11237,7 @@
               <a:buNone/>
             </a:pPr>
             <a:r>
-              <a:rPr lang="en-US" altLang="en-US" sz="900"/>
+              <a:rPr lang="en-US" altLang="en-US" sz="900" dirty="0"/>
               <a:t>everyone under 1.56(c)</a:t>
             </a:r>
           </a:p>
@@ -11193,7 +11250,7 @@
               <a:buNone/>
             </a:pPr>
             <a:r>
-              <a:rPr lang="en-US" altLang="en-US" sz="900"/>
+              <a:rPr lang="en-US" altLang="en-US" sz="900" dirty="0"/>
               <a:t>within the last </a:t>
             </a:r>
           </a:p>
@@ -11206,7 +11263,7 @@
               <a:buNone/>
             </a:pPr>
             <a:r>
-              <a:rPr lang="en-US" altLang="en-US" sz="900"/>
+              <a:rPr lang="en-US" altLang="en-US" sz="900" dirty="0"/>
               <a:t>3 mo. </a:t>
             </a:r>
           </a:p>
@@ -14638,7 +14695,7 @@
         </p:nvSpPr>
         <p:spPr bwMode="auto">
           <a:xfrm>
-            <a:off x="896938" y="1892300"/>
+            <a:off x="942975" y="1870076"/>
             <a:ext cx="349250" cy="228600"/>
           </a:xfrm>
           <a:prstGeom prst="rect">
@@ -14819,6 +14876,203 @@
           </a:p>
         </p:txBody>
       </p:sp>
+      <p:sp>
+        <p:nvSpPr>
+          <p:cNvPr id="89" name="Rectangle 10"/>
+          <p:cNvSpPr>
+            <a:spLocks noChangeArrowheads="1"/>
+          </p:cNvSpPr>
+          <p:nvPr/>
+        </p:nvSpPr>
+        <p:spPr bwMode="auto">
+          <a:xfrm>
+            <a:off x="407408" y="139680"/>
+            <a:ext cx="1026319" cy="356244"/>
+          </a:xfrm>
+          <a:prstGeom prst="rect">
+            <a:avLst/>
+          </a:prstGeom>
+          <a:solidFill>
+            <a:srgbClr val="00B0F0"/>
+          </a:solidFill>
+          <a:ln>
+            <a:solidFill>
+              <a:srgbClr val="00B0F0"/>
+            </a:solidFill>
+            <a:headEnd/>
+            <a:tailEnd/>
+          </a:ln>
+        </p:spPr>
+        <p:style>
+          <a:lnRef idx="2">
+            <a:schemeClr val="accent1"/>
+          </a:lnRef>
+          <a:fillRef idx="1">
+            <a:schemeClr val="lt1"/>
+          </a:fillRef>
+          <a:effectRef idx="0">
+            <a:schemeClr val="accent1"/>
+          </a:effectRef>
+          <a:fontRef idx="minor">
+            <a:schemeClr val="dk1"/>
+          </a:fontRef>
+        </p:style>
+        <p:txBody>
+          <a:bodyPr wrap="none" anchor="ctr"/>
+          <a:lstStyle>
+            <a:lvl1pPr>
+              <a:defRPr sz="2400">
+                <a:solidFill>
+                  <a:schemeClr val="tx1"/>
+                </a:solidFill>
+                <a:latin typeface="Times New Roman" charset="0"/>
+              </a:defRPr>
+            </a:lvl1pPr>
+            <a:lvl2pPr marL="742950" indent="-285750">
+              <a:defRPr sz="2400">
+                <a:solidFill>
+                  <a:schemeClr val="tx1"/>
+                </a:solidFill>
+                <a:latin typeface="Times New Roman" charset="0"/>
+              </a:defRPr>
+            </a:lvl2pPr>
+            <a:lvl3pPr marL="1143000" indent="-228600">
+              <a:defRPr sz="2400">
+                <a:solidFill>
+                  <a:schemeClr val="tx1"/>
+                </a:solidFill>
+                <a:latin typeface="Times New Roman" charset="0"/>
+              </a:defRPr>
+            </a:lvl3pPr>
+            <a:lvl4pPr marL="1600200" indent="-228600">
+              <a:defRPr sz="2400">
+                <a:solidFill>
+                  <a:schemeClr val="tx1"/>
+                </a:solidFill>
+                <a:latin typeface="Times New Roman" charset="0"/>
+              </a:defRPr>
+            </a:lvl4pPr>
+            <a:lvl5pPr marL="2057400" indent="-228600">
+              <a:defRPr sz="2400">
+                <a:solidFill>
+                  <a:schemeClr val="tx1"/>
+                </a:solidFill>
+                <a:latin typeface="Times New Roman" charset="0"/>
+              </a:defRPr>
+            </a:lvl5pPr>
+            <a:lvl6pPr marL="2514600" indent="-228600" eaLnBrk="0" fontAlgn="base" hangingPunct="0">
+              <a:spcBef>
+                <a:spcPct val="0"/>
+              </a:spcBef>
+              <a:spcAft>
+                <a:spcPct val="0"/>
+              </a:spcAft>
+              <a:defRPr sz="2400">
+                <a:solidFill>
+                  <a:schemeClr val="tx1"/>
+                </a:solidFill>
+                <a:latin typeface="Times New Roman" charset="0"/>
+              </a:defRPr>
+            </a:lvl6pPr>
+            <a:lvl7pPr marL="2971800" indent="-228600" eaLnBrk="0" fontAlgn="base" hangingPunct="0">
+              <a:spcBef>
+                <a:spcPct val="0"/>
+              </a:spcBef>
+              <a:spcAft>
+                <a:spcPct val="0"/>
+              </a:spcAft>
+              <a:defRPr sz="2400">
+                <a:solidFill>
+                  <a:schemeClr val="tx1"/>
+                </a:solidFill>
+                <a:latin typeface="Times New Roman" charset="0"/>
+              </a:defRPr>
+            </a:lvl7pPr>
+            <a:lvl8pPr marL="3429000" indent="-228600" eaLnBrk="0" fontAlgn="base" hangingPunct="0">
+              <a:spcBef>
+                <a:spcPct val="0"/>
+              </a:spcBef>
+              <a:spcAft>
+                <a:spcPct val="0"/>
+              </a:spcAft>
+              <a:defRPr sz="2400">
+                <a:solidFill>
+                  <a:schemeClr val="tx1"/>
+                </a:solidFill>
+                <a:latin typeface="Times New Roman" charset="0"/>
+              </a:defRPr>
+            </a:lvl8pPr>
+            <a:lvl9pPr marL="3886200" indent="-228600" eaLnBrk="0" fontAlgn="base" hangingPunct="0">
+              <a:spcBef>
+                <a:spcPct val="0"/>
+              </a:spcBef>
+              <a:spcAft>
+                <a:spcPct val="0"/>
+              </a:spcAft>
+              <a:defRPr sz="2400">
+                <a:solidFill>
+                  <a:schemeClr val="tx1"/>
+                </a:solidFill>
+                <a:latin typeface="Times New Roman" charset="0"/>
+              </a:defRPr>
+            </a:lvl9pPr>
+          </a:lstStyle>
+          <a:p>
+            <a:pPr algn="ctr">
+              <a:defRPr/>
+            </a:pPr>
+            <a:r>
+              <a:rPr lang="en-US" altLang="en-US" sz="1200" dirty="0" smtClean="0">
+                <a:solidFill>
+                  <a:schemeClr val="bg1"/>
+                </a:solidFill>
+              </a:rPr>
+              <a:t>START HERE</a:t>
+            </a:r>
+          </a:p>
+        </p:txBody>
+      </p:sp>
+      <p:cxnSp>
+        <p:nvCxnSpPr>
+          <p:cNvPr id="90" name="Straight Arrow Connector 254"/>
+          <p:cNvCxnSpPr>
+            <a:cxnSpLocks noChangeShapeType="1"/>
+            <a:stCxn id="89" idx="2"/>
+            <a:endCxn id="2055" idx="0"/>
+          </p:cNvCxnSpPr>
+          <p:nvPr/>
+        </p:nvCxnSpPr>
+        <p:spPr bwMode="auto">
+          <a:xfrm>
+            <a:off x="920568" y="495924"/>
+            <a:ext cx="13676" cy="178764"/>
+          </a:xfrm>
+          <a:prstGeom prst="straightConnector1">
+            <a:avLst/>
+          </a:prstGeom>
+          <a:noFill/>
+          <a:ln w="9525" algn="ctr">
+            <a:solidFill>
+              <a:schemeClr val="tx1"/>
+            </a:solidFill>
+            <a:round/>
+            <a:headEnd/>
+            <a:tailEnd type="arrow" w="med" len="med"/>
+          </a:ln>
+          <a:effectLst/>
+          <a:extLst>
+            <a:ext uri="{AF507438-7753-43E0-B8FC-AC1667EBCBE1}">
+              <a14:hiddenEffects xmlns:a14="http://schemas.microsoft.com/office/drawing/2010/main">
+                <a:effectLst>
+                  <a:outerShdw dist="35921" dir="2700000" algn="ctr" rotWithShape="0">
+                    <a:schemeClr val="bg2"/>
+                  </a:outerShdw>
+                </a:effectLst>
+              </a14:hiddenEffects>
+            </a:ext>
+          </a:extLst>
+        </p:spPr>
+      </p:cxnSp>
     </p:spTree>
   </p:cSld>
   <p:clrMapOvr>
